--- a/10-python/slides.pptx
+++ b/10-python/slides.pptx
@@ -6,7 +6,7 @@
     <p:sldMasterId id="2147483649" r:id="rId2"/>
   </p:sldMasterIdLst>
   <p:notesMasterIdLst>
-    <p:notesMasterId r:id="rId63"/>
+    <p:notesMasterId r:id="rId64"/>
   </p:notesMasterIdLst>
   <p:sldIdLst>
     <p:sldId id="258" r:id="rId3"/>
@@ -62,13 +62,14 @@
     <p:sldId id="889" r:id="rId53"/>
     <p:sldId id="890" r:id="rId54"/>
     <p:sldId id="891" r:id="rId55"/>
-    <p:sldId id="729" r:id="rId56"/>
-    <p:sldId id="892" r:id="rId57"/>
-    <p:sldId id="893" r:id="rId58"/>
-    <p:sldId id="894" r:id="rId59"/>
-    <p:sldId id="895" r:id="rId60"/>
-    <p:sldId id="896" r:id="rId61"/>
-    <p:sldId id="504" r:id="rId62"/>
+    <p:sldId id="897" r:id="rId56"/>
+    <p:sldId id="729" r:id="rId57"/>
+    <p:sldId id="892" r:id="rId58"/>
+    <p:sldId id="893" r:id="rId59"/>
+    <p:sldId id="894" r:id="rId60"/>
+    <p:sldId id="895" r:id="rId61"/>
+    <p:sldId id="896" r:id="rId62"/>
+    <p:sldId id="504" r:id="rId63"/>
   </p:sldIdLst>
   <p:sldSz cx="9363075" cy="5257800"/>
   <p:notesSz cx="6858000" cy="9144000"/>
@@ -291,7 +292,7 @@
           <a:p>
             <a:fld id="{DB92F479-4B50-F243-9713-1B12EC2B4BDB}" type="datetimeFigureOut">
               <a:rPr lang="en-US" smtClean="0"/>
-              <a:t>3/28/14</a:t>
+              <a:t>4/6/14</a:t>
             </a:fld>
             <a:endParaRPr lang="en-US"/>
           </a:p>
@@ -6602,8 +6603,25 @@
                 <a:latin typeface="ArialMT"/>
                 <a:sym typeface="Wingdings"/>
               </a:rPr>
-              <a:t> </a:t>
-            </a:r>
+              <a:t>Point out class, inheritance, if/else, shebang, if name == main, list, set, tuple, list comp, </a:t>
+            </a:r>
+            <a:r>
+              <a:rPr lang="en-US" sz="1200" baseline="0" dirty="0" err="1" smtClean="0">
+                <a:solidFill>
+                  <a:prstClr val="black"/>
+                </a:solidFill>
+                <a:latin typeface="ArialMT"/>
+                <a:sym typeface="Wingdings"/>
+              </a:rPr>
+              <a:t>etc</a:t>
+            </a:r>
+            <a:endParaRPr lang="en-US" sz="1200" baseline="0" dirty="0" smtClean="0">
+              <a:solidFill>
+                <a:prstClr val="black"/>
+              </a:solidFill>
+              <a:latin typeface="ArialMT"/>
+              <a:sym typeface="Wingdings"/>
+            </a:endParaRPr>
           </a:p>
         </p:txBody>
       </p:sp>
@@ -6932,25 +6950,8 @@
                 <a:latin typeface="ArialMT"/>
                 <a:sym typeface="Wingdings"/>
               </a:rPr>
-              <a:t>Class, inheritance, if/else, shebang, if name == main, list, set, tuple, list comp, </a:t>
-            </a:r>
-            <a:r>
-              <a:rPr lang="en-US" sz="1200" baseline="0" dirty="0" err="1" smtClean="0">
-                <a:solidFill>
-                  <a:prstClr val="black"/>
-                </a:solidFill>
-                <a:latin typeface="ArialMT"/>
-                <a:sym typeface="Wingdings"/>
-              </a:rPr>
-              <a:t>etc</a:t>
-            </a:r>
-            <a:endParaRPr lang="en-US" sz="1200" baseline="0" dirty="0" smtClean="0">
-              <a:solidFill>
-                <a:prstClr val="black"/>
-              </a:solidFill>
-              <a:latin typeface="ArialMT"/>
-              <a:sym typeface="Wingdings"/>
-            </a:endParaRPr>
+              <a:t> </a:t>
+            </a:r>
           </a:p>
         </p:txBody>
       </p:sp>
@@ -7059,8 +7060,25 @@
                 <a:latin typeface="ArialMT"/>
                 <a:sym typeface="Wingdings"/>
               </a:rPr>
-              <a:t> </a:t>
-            </a:r>
+              <a:t>Class, inheritance, if/else, shebang, if name == main, list, set, tuple, list comp, </a:t>
+            </a:r>
+            <a:r>
+              <a:rPr lang="en-US" sz="1200" baseline="0" dirty="0" err="1" smtClean="0">
+                <a:solidFill>
+                  <a:prstClr val="black"/>
+                </a:solidFill>
+                <a:latin typeface="ArialMT"/>
+                <a:sym typeface="Wingdings"/>
+              </a:rPr>
+              <a:t>etc</a:t>
+            </a:r>
+            <a:endParaRPr lang="en-US" sz="1200" baseline="0" dirty="0" smtClean="0">
+              <a:solidFill>
+                <a:prstClr val="black"/>
+              </a:solidFill>
+              <a:latin typeface="ArialMT"/>
+              <a:sym typeface="Wingdings"/>
+            </a:endParaRPr>
           </a:p>
         </p:txBody>
       </p:sp>
@@ -7364,8 +7382,31 @@
           <a:bodyPr/>
           <a:lstStyle/>
           <a:p>
-            <a:r>
-              <a:rPr lang="en-US" baseline="0" dirty="0" smtClean="0"/>
+            <a:pPr marL="0" marR="0" indent="0" algn="l" defTabSz="457200" rtl="0" eaLnBrk="1" fontAlgn="auto" latinLnBrk="0" hangingPunct="1">
+              <a:lnSpc>
+                <a:spcPct val="100000"/>
+              </a:lnSpc>
+              <a:spcBef>
+                <a:spcPts val="0"/>
+              </a:spcBef>
+              <a:spcAft>
+                <a:spcPts val="0"/>
+              </a:spcAft>
+              <a:buClrTx/>
+              <a:buSzTx/>
+              <a:buFontTx/>
+              <a:buNone/>
+              <a:tabLst/>
+              <a:defRPr/>
+            </a:pPr>
+            <a:r>
+              <a:rPr lang="en-US" sz="1200" baseline="0" dirty="0" smtClean="0">
+                <a:solidFill>
+                  <a:prstClr val="black"/>
+                </a:solidFill>
+                <a:latin typeface="ArialMT"/>
+                <a:sym typeface="Wingdings"/>
+              </a:rPr>
               <a:t> </a:t>
             </a:r>
           </a:p>
@@ -7389,6 +7430,93 @@
             <a:fld id="{ADD4B5B7-85EF-4E48-AC80-2380FACD9C23}" type="slidenum">
               <a:rPr lang="en-US" smtClean="0"/>
               <a:t>60</a:t>
+            </a:fld>
+            <a:endParaRPr lang="en-US"/>
+          </a:p>
+        </p:txBody>
+      </p:sp>
+    </p:spTree>
+    <p:extLst>
+      <p:ext uri="{BB962C8B-B14F-4D97-AF65-F5344CB8AC3E}">
+        <p14:creationId xmlns:p14="http://schemas.microsoft.com/office/powerpoint/2010/main" val="645762702"/>
+      </p:ext>
+    </p:extLst>
+  </p:cSld>
+  <p:clrMapOvr>
+    <a:masterClrMapping/>
+  </p:clrMapOvr>
+</p:notes>
+</file>
+
+<file path=ppt/notesSlides/notesSlide61.xml><?xml version="1.0" encoding="utf-8"?>
+<p:notes xmlns:a="http://schemas.openxmlformats.org/drawingml/2006/main" xmlns:r="http://schemas.openxmlformats.org/officeDocument/2006/relationships" xmlns:p="http://schemas.openxmlformats.org/presentationml/2006/main">
+  <p:cSld>
+    <p:spTree>
+      <p:nvGrpSpPr>
+        <p:cNvPr id="1" name=""/>
+        <p:cNvGrpSpPr/>
+        <p:nvPr/>
+      </p:nvGrpSpPr>
+      <p:grpSpPr>
+        <a:xfrm>
+          <a:off x="0" y="0"/>
+          <a:ext cx="0" cy="0"/>
+          <a:chOff x="0" y="0"/>
+          <a:chExt cx="0" cy="0"/>
+        </a:xfrm>
+      </p:grpSpPr>
+      <p:sp>
+        <p:nvSpPr>
+          <p:cNvPr id="2" name="Slide Image Placeholder 1"/>
+          <p:cNvSpPr>
+            <a:spLocks noGrp="1" noRot="1" noChangeAspect="1"/>
+          </p:cNvSpPr>
+          <p:nvPr>
+            <p:ph type="sldImg"/>
+          </p:nvPr>
+        </p:nvSpPr>
+        <p:spPr/>
+      </p:sp>
+      <p:sp>
+        <p:nvSpPr>
+          <p:cNvPr id="3" name="Notes Placeholder 2"/>
+          <p:cNvSpPr>
+            <a:spLocks noGrp="1"/>
+          </p:cNvSpPr>
+          <p:nvPr>
+            <p:ph type="body" idx="1"/>
+          </p:nvPr>
+        </p:nvSpPr>
+        <p:spPr/>
+        <p:txBody>
+          <a:bodyPr/>
+          <a:lstStyle/>
+          <a:p>
+            <a:r>
+              <a:rPr lang="en-US" baseline="0" dirty="0" smtClean="0"/>
+              <a:t> </a:t>
+            </a:r>
+          </a:p>
+        </p:txBody>
+      </p:sp>
+      <p:sp>
+        <p:nvSpPr>
+          <p:cNvPr id="4" name="Slide Number Placeholder 3"/>
+          <p:cNvSpPr>
+            <a:spLocks noGrp="1"/>
+          </p:cNvSpPr>
+          <p:nvPr>
+            <p:ph type="sldNum" sz="quarter" idx="10"/>
+          </p:nvPr>
+        </p:nvSpPr>
+        <p:spPr/>
+        <p:txBody>
+          <a:bodyPr/>
+          <a:lstStyle/>
+          <a:p>
+            <a:fld id="{ADD4B5B7-85EF-4E48-AC80-2380FACD9C23}" type="slidenum">
+              <a:rPr lang="en-US" smtClean="0"/>
+              <a:t>61</a:t>
             </a:fld>
             <a:endParaRPr lang="en-US"/>
           </a:p>
@@ -15824,6 +15952,50 @@
                 <a:t>.</a:t>
               </a:r>
             </a:p>
+            <a:p>
+              <a:pPr algn="l">
+                <a:lnSpc>
+                  <a:spcPts val="1150"/>
+                </a:lnSpc>
+              </a:pPr>
+              <a:endParaRPr lang="en-US" sz="900" dirty="0">
+                <a:solidFill>
+                  <a:schemeClr val="tx1"/>
+                </a:solidFill>
+                <a:latin typeface="+mn-lt"/>
+                <a:ea typeface="ＭＳ Ｐゴシック" charset="0"/>
+                <a:cs typeface="PFDinTextCompPro-Italic"/>
+                <a:sym typeface="News706 BT" charset="0"/>
+              </a:endParaRPr>
+            </a:p>
+            <a:p>
+              <a:pPr algn="l">
+                <a:lnSpc>
+                  <a:spcPts val="1150"/>
+                </a:lnSpc>
+              </a:pPr>
+              <a:r>
+                <a:rPr lang="en-US" sz="900" dirty="0" smtClean="0">
+                  <a:solidFill>
+                    <a:schemeClr val="tx1"/>
+                  </a:solidFill>
+                  <a:latin typeface="+mn-lt"/>
+                  <a:ea typeface="ＭＳ Ｐゴシック" charset="0"/>
+                  <a:cs typeface="PFDinTextCompPro-Italic"/>
+                  <a:sym typeface="News706 BT" charset="0"/>
+                </a:rPr>
+                <a:t>(Python also has functional map, filter, and reduce.)</a:t>
+              </a:r>
+              <a:endParaRPr lang="en-US" sz="900" dirty="0" smtClean="0">
+                <a:solidFill>
+                  <a:schemeClr val="tx1"/>
+                </a:solidFill>
+                <a:latin typeface="+mn-lt"/>
+                <a:ea typeface="ＭＳ Ｐゴシック" charset="0"/>
+                <a:cs typeface="PFDinTextCompPro-Italic"/>
+                <a:sym typeface="News706 BT" charset="0"/>
+              </a:endParaRPr>
+            </a:p>
           </p:txBody>
         </p:sp>
       </p:grpSp>
@@ -21553,18 +21725,18 @@
               <a:t>. This represents an open connection to a file (</a:t>
             </a:r>
             <a:r>
-              <a:rPr lang="en-US" sz="2500" dirty="0" err="1" smtClean="0">
-                <a:latin typeface="PFDinTextCompPro-Italic"/>
-                <a:cs typeface="PFDinTextCompPro-Italic"/>
-              </a:rPr>
-              <a:t>eg</a:t>
-            </a:r>
-            <a:r>
               <a:rPr lang="en-US" sz="2500" dirty="0" smtClean="0">
                 <a:latin typeface="PFDinTextCompPro-Italic"/>
                 <a:cs typeface="PFDinTextCompPro-Italic"/>
               </a:rPr>
-              <a:t>) on your laptop.</a:t>
+              <a:t>e.g.) </a:t>
+            </a:r>
+            <a:r>
+              <a:rPr lang="en-US" sz="2500" dirty="0" smtClean="0">
+                <a:latin typeface="PFDinTextCompPro-Italic"/>
+                <a:cs typeface="PFDinTextCompPro-Italic"/>
+              </a:rPr>
+              <a:t>on your laptop.</a:t>
             </a:r>
           </a:p>
           <a:p>
@@ -23953,7 +24125,7 @@
             </a:pPr>
             <a:r>
               <a:rPr lang="en-US" dirty="0" smtClean="0"/>
-              <a:t>import</a:t>
+              <a:t>modules</a:t>
             </a:r>
             <a:endParaRPr lang="en-US" dirty="0"/>
           </a:p>
@@ -23983,6 +24155,388 @@
                 <a:defRPr/>
               </a:pPr>
               <a:t>54</a:t>
+            </a:fld>
+            <a:endParaRPr lang="en-US"/>
+          </a:p>
+        </p:txBody>
+      </p:sp>
+      <p:pic>
+        <p:nvPicPr>
+          <p:cNvPr id="3" name="Picture 2"/>
+          <p:cNvPicPr>
+            <a:picLocks noChangeAspect="1"/>
+          </p:cNvPicPr>
+          <p:nvPr/>
+        </p:nvPicPr>
+        <p:blipFill>
+          <a:blip r:embed="rId3"/>
+          <a:stretch>
+            <a:fillRect/>
+          </a:stretch>
+        </p:blipFill>
+        <p:spPr>
+          <a:xfrm>
+            <a:off x="1548606" y="1104900"/>
+            <a:ext cx="6265863" cy="3910530"/>
+          </a:xfrm>
+          <a:prstGeom prst="rect">
+            <a:avLst/>
+          </a:prstGeom>
+        </p:spPr>
+      </p:pic>
+      <p:grpSp>
+        <p:nvGrpSpPr>
+          <p:cNvPr id="5" name="Group 26"/>
+          <p:cNvGrpSpPr>
+            <a:grpSpLocks/>
+          </p:cNvGrpSpPr>
+          <p:nvPr/>
+        </p:nvGrpSpPr>
+        <p:grpSpPr bwMode="auto">
+          <a:xfrm>
+            <a:off x="7196137" y="1866900"/>
+            <a:ext cx="1463675" cy="1463675"/>
+            <a:chOff x="0" y="0"/>
+            <a:chExt cx="1280" cy="1280"/>
+          </a:xfrm>
+        </p:grpSpPr>
+        <p:pic>
+          <p:nvPicPr>
+            <p:cNvPr id="6" name="Picture 23"/>
+            <p:cNvPicPr>
+              <a:picLocks noChangeAspect="1" noChangeArrowheads="1"/>
+            </p:cNvPicPr>
+            <p:nvPr/>
+          </p:nvPicPr>
+          <p:blipFill>
+            <a:blip r:embed="rId4">
+              <a:extLst>
+                <a:ext uri="{28A0092B-C50C-407E-A947-70E740481C1C}">
+                  <a14:useLocalDpi xmlns:a14="http://schemas.microsoft.com/office/drawing/2010/main" val="0"/>
+                </a:ext>
+              </a:extLst>
+            </a:blip>
+            <a:srcRect/>
+            <a:stretch>
+              <a:fillRect/>
+            </a:stretch>
+          </p:blipFill>
+          <p:spPr bwMode="auto">
+            <a:xfrm>
+              <a:off x="0" y="0"/>
+              <a:ext cx="1280" cy="1280"/>
+            </a:xfrm>
+            <a:prstGeom prst="rect">
+              <a:avLst/>
+            </a:prstGeom>
+            <a:noFill/>
+            <a:ln>
+              <a:noFill/>
+            </a:ln>
+            <a:extLst>
+              <a:ext uri="{909E8E84-426E-40dd-AFC4-6F175D3DCCD1}">
+                <a14:hiddenFill xmlns:a14="http://schemas.microsoft.com/office/drawing/2010/main">
+                  <a:solidFill>
+                    <a:srgbClr val="FFFFFF"/>
+                  </a:solidFill>
+                </a14:hiddenFill>
+              </a:ext>
+              <a:ext uri="{91240B29-F687-4f45-9708-019B960494DF}">
+                <a14:hiddenLine xmlns:a14="http://schemas.microsoft.com/office/drawing/2010/main" w="12700">
+                  <a:solidFill>
+                    <a:schemeClr val="tx1"/>
+                  </a:solidFill>
+                  <a:miter lim="800000"/>
+                  <a:headEnd/>
+                  <a:tailEnd/>
+                </a14:hiddenLine>
+              </a:ext>
+            </a:extLst>
+          </p:spPr>
+        </p:pic>
+        <p:sp>
+          <p:nvSpPr>
+            <p:cNvPr id="7" name="Rectangle 24"/>
+            <p:cNvSpPr>
+              <a:spLocks/>
+            </p:cNvSpPr>
+            <p:nvPr/>
+          </p:nvSpPr>
+          <p:spPr bwMode="auto">
+            <a:xfrm>
+              <a:off x="104" y="96"/>
+              <a:ext cx="1056" cy="152"/>
+            </a:xfrm>
+            <a:prstGeom prst="rect">
+              <a:avLst/>
+            </a:prstGeom>
+            <a:noFill/>
+            <a:ln>
+              <a:noFill/>
+            </a:ln>
+            <a:extLst>
+              <a:ext uri="{909E8E84-426E-40dd-AFC4-6F175D3DCCD1}">
+                <a14:hiddenFill xmlns:a14="http://schemas.microsoft.com/office/drawing/2010/main">
+                  <a:solidFill>
+                    <a:srgbClr val="FFFFFF"/>
+                  </a:solidFill>
+                </a14:hiddenFill>
+              </a:ext>
+              <a:ext uri="{91240B29-F687-4f45-9708-019B960494DF}">
+                <a14:hiddenLine xmlns:a14="http://schemas.microsoft.com/office/drawing/2010/main" w="12700">
+                  <a:solidFill>
+                    <a:schemeClr val="tx1"/>
+                  </a:solidFill>
+                  <a:miter lim="800000"/>
+                  <a:headEnd/>
+                  <a:tailEnd/>
+                </a14:hiddenLine>
+              </a:ext>
+            </a:extLst>
+          </p:spPr>
+          <p:txBody>
+            <a:bodyPr lIns="0" tIns="0" rIns="0" bIns="0"/>
+            <a:lstStyle/>
+            <a:p>
+              <a:pPr algn="l">
+                <a:lnSpc>
+                  <a:spcPct val="75000"/>
+                </a:lnSpc>
+              </a:pPr>
+              <a:r>
+                <a:rPr lang="en-US" sz="1300" dirty="0" smtClean="0">
+                  <a:solidFill>
+                    <a:schemeClr val="tx1"/>
+                  </a:solidFill>
+                  <a:latin typeface="PFDinTextCompPro-Bold" charset="0"/>
+                  <a:ea typeface="ＭＳ Ｐゴシック" charset="0"/>
+                  <a:cs typeface="ＭＳ Ｐゴシック" charset="0"/>
+                  <a:sym typeface="PFDinTextCompPro-Bold" charset="0"/>
+                </a:rPr>
+                <a:t>NOTE</a:t>
+              </a:r>
+              <a:endParaRPr lang="en-US" sz="1300" dirty="0">
+                <a:solidFill>
+                  <a:schemeClr val="tx1"/>
+                </a:solidFill>
+                <a:latin typeface="PFDinTextCompPro-Bold" charset="0"/>
+                <a:ea typeface="ＭＳ Ｐゴシック" charset="0"/>
+                <a:cs typeface="ＭＳ Ｐゴシック" charset="0"/>
+                <a:sym typeface="PFDinTextCompPro-Bold" charset="0"/>
+              </a:endParaRPr>
+            </a:p>
+          </p:txBody>
+        </p:sp>
+        <p:sp>
+          <p:nvSpPr>
+            <p:cNvPr id="9" name="Rectangle 25"/>
+            <p:cNvSpPr>
+              <a:spLocks/>
+            </p:cNvSpPr>
+            <p:nvPr/>
+          </p:nvSpPr>
+          <p:spPr bwMode="auto">
+            <a:xfrm>
+              <a:off x="104" y="264"/>
+              <a:ext cx="1056" cy="896"/>
+            </a:xfrm>
+            <a:prstGeom prst="rect">
+              <a:avLst/>
+            </a:prstGeom>
+            <a:noFill/>
+            <a:ln>
+              <a:noFill/>
+            </a:ln>
+            <a:extLst>
+              <a:ext uri="{909E8E84-426E-40dd-AFC4-6F175D3DCCD1}">
+                <a14:hiddenFill xmlns:a14="http://schemas.microsoft.com/office/drawing/2010/main">
+                  <a:solidFill>
+                    <a:srgbClr val="FFFFFF"/>
+                  </a:solidFill>
+                </a14:hiddenFill>
+              </a:ext>
+              <a:ext uri="{91240B29-F687-4f45-9708-019B960494DF}">
+                <a14:hiddenLine xmlns:a14="http://schemas.microsoft.com/office/drawing/2010/main" w="12700">
+                  <a:solidFill>
+                    <a:schemeClr val="tx1"/>
+                  </a:solidFill>
+                  <a:miter lim="800000"/>
+                  <a:headEnd/>
+                  <a:tailEnd/>
+                </a14:hiddenLine>
+              </a:ext>
+            </a:extLst>
+          </p:spPr>
+          <p:txBody>
+            <a:bodyPr lIns="0" tIns="0" rIns="0" bIns="0"/>
+            <a:lstStyle/>
+            <a:p>
+              <a:pPr algn="l">
+                <a:lnSpc>
+                  <a:spcPts val="1150"/>
+                </a:lnSpc>
+              </a:pPr>
+              <a:endParaRPr lang="en-US" sz="900" dirty="0" smtClean="0">
+                <a:solidFill>
+                  <a:schemeClr val="tx1"/>
+                </a:solidFill>
+                <a:latin typeface="+mn-lt"/>
+                <a:ea typeface="ＭＳ Ｐゴシック" charset="0"/>
+                <a:cs typeface="PFDinTextCompPro-Italic"/>
+                <a:sym typeface="News706 BT" charset="0"/>
+              </a:endParaRPr>
+            </a:p>
+            <a:p>
+              <a:pPr algn="l">
+                <a:lnSpc>
+                  <a:spcPts val="1150"/>
+                </a:lnSpc>
+              </a:pPr>
+              <a:r>
+                <a:rPr lang="en-US" sz="900" dirty="0" smtClean="0">
+                  <a:solidFill>
+                    <a:schemeClr val="tx1"/>
+                  </a:solidFill>
+                  <a:latin typeface="+mn-lt"/>
+                  <a:ea typeface="ＭＳ Ｐゴシック" charset="0"/>
+                  <a:cs typeface="PFDinTextCompPro-Italic"/>
+                  <a:sym typeface="News706 BT" charset="0"/>
+                </a:rPr>
+                <a:t>Scripts can also be run with ‘python </a:t>
+              </a:r>
+              <a:r>
+                <a:rPr lang="en-US" sz="900" dirty="0" err="1" smtClean="0">
+                  <a:solidFill>
+                    <a:schemeClr val="tx1"/>
+                  </a:solidFill>
+                  <a:latin typeface="+mn-lt"/>
+                  <a:ea typeface="ＭＳ Ｐゴシック" charset="0"/>
+                  <a:cs typeface="PFDinTextCompPro-Italic"/>
+                  <a:sym typeface="News706 BT" charset="0"/>
+                </a:rPr>
+                <a:t>file.py</a:t>
+              </a:r>
+              <a:r>
+                <a:rPr lang="en-US" sz="900" dirty="0" smtClean="0">
+                  <a:solidFill>
+                    <a:schemeClr val="tx1"/>
+                  </a:solidFill>
+                  <a:latin typeface="+mn-lt"/>
+                  <a:ea typeface="ＭＳ Ｐゴシック" charset="0"/>
+                  <a:cs typeface="PFDinTextCompPro-Italic"/>
+                  <a:sym typeface="News706 BT" charset="0"/>
+                </a:rPr>
+                <a:t>’ or made executable, with or without a __name__ == ‘__main__’ section.</a:t>
+              </a:r>
+              <a:endParaRPr lang="en-US" sz="900" dirty="0" smtClean="0">
+                <a:solidFill>
+                  <a:schemeClr val="tx1"/>
+                </a:solidFill>
+                <a:latin typeface="+mn-lt"/>
+                <a:ea typeface="ＭＳ Ｐゴシック" charset="0"/>
+                <a:cs typeface="PFDinTextCompPro-Italic"/>
+                <a:sym typeface="News706 BT" charset="0"/>
+              </a:endParaRPr>
+            </a:p>
+          </p:txBody>
+        </p:sp>
+      </p:grpSp>
+    </p:spTree>
+    <p:extLst>
+      <p:ext uri="{BB962C8B-B14F-4D97-AF65-F5344CB8AC3E}">
+        <p14:creationId xmlns:p14="http://schemas.microsoft.com/office/powerpoint/2010/main" val="2336867134"/>
+      </p:ext>
+    </p:extLst>
+  </p:cSld>
+  <p:clrMapOvr>
+    <a:masterClrMapping/>
+  </p:clrMapOvr>
+  <p:transition xmlns:p14="http://schemas.microsoft.com/office/powerpoint/2010/main"/>
+  <p:timing>
+    <p:tnLst>
+      <p:par>
+        <p:cTn xmlns:p14="http://schemas.microsoft.com/office/powerpoint/2010/main" id="1" dur="indefinite" restart="never" nodeType="tmRoot"/>
+      </p:par>
+    </p:tnLst>
+  </p:timing>
+</p:sld>
+</file>
+
+<file path=ppt/slides/slide55.xml><?xml version="1.0" encoding="utf-8"?>
+<p:sld xmlns:a="http://schemas.openxmlformats.org/drawingml/2006/main" xmlns:r="http://schemas.openxmlformats.org/officeDocument/2006/relationships" xmlns:p="http://schemas.openxmlformats.org/presentationml/2006/main">
+  <p:cSld>
+    <p:spTree>
+      <p:nvGrpSpPr>
+        <p:cNvPr id="1" name=""/>
+        <p:cNvGrpSpPr/>
+        <p:nvPr/>
+      </p:nvGrpSpPr>
+      <p:grpSpPr>
+        <a:xfrm>
+          <a:off x="0" y="0"/>
+          <a:ext cx="0" cy="0"/>
+          <a:chOff x="0" y="0"/>
+          <a:chExt cx="0" cy="0"/>
+        </a:xfrm>
+      </p:grpSpPr>
+      <p:sp>
+        <p:nvSpPr>
+          <p:cNvPr id="4" name="Content Placeholder 3"/>
+          <p:cNvSpPr>
+            <a:spLocks noGrp="1"/>
+          </p:cNvSpPr>
+          <p:nvPr>
+            <p:ph sz="quarter" idx="11"/>
+          </p:nvPr>
+        </p:nvSpPr>
+        <p:spPr>
+          <a:xfrm>
+            <a:off x="414337" y="495300"/>
+            <a:ext cx="6400800" cy="304800"/>
+          </a:xfrm>
+        </p:spPr>
+        <p:txBody>
+          <a:bodyPr/>
+          <a:lstStyle/>
+          <a:p>
+            <a:pPr eaLnBrk="1" hangingPunct="1">
+              <a:lnSpc>
+                <a:spcPts val="2448"/>
+              </a:lnSpc>
+              <a:defRPr/>
+            </a:pPr>
+            <a:r>
+              <a:rPr lang="en-US" dirty="0" smtClean="0"/>
+              <a:t>import</a:t>
+            </a:r>
+            <a:endParaRPr lang="en-US" dirty="0"/>
+          </a:p>
+        </p:txBody>
+      </p:sp>
+      <p:sp>
+        <p:nvSpPr>
+          <p:cNvPr id="8" name="Slide Number Placeholder 3"/>
+          <p:cNvSpPr>
+            <a:spLocks noGrp="1"/>
+          </p:cNvSpPr>
+          <p:nvPr>
+            <p:ph type="sldNum" sz="quarter" idx="13"/>
+          </p:nvPr>
+        </p:nvSpPr>
+        <p:spPr/>
+        <p:txBody>
+          <a:bodyPr/>
+          <a:lstStyle/>
+          <a:p>
+            <a:pPr>
+              <a:defRPr/>
+            </a:pPr>
+            <a:fld id="{BD5AD749-DAD1-6A4A-A2AA-CB20EAD0AEB7}" type="slidenum">
+              <a:rPr lang="en-US"/>
+              <a:pPr>
+                <a:defRPr/>
+              </a:pPr>
+              <a:t>55</a:t>
             </a:fld>
             <a:endParaRPr lang="en-US"/>
           </a:p>
@@ -24146,7 +24700,7 @@
 </p:sld>
 </file>
 
-<file path=ppt/slides/slide55.xml><?xml version="1.0" encoding="utf-8"?>
+<file path=ppt/slides/slide56.xml><?xml version="1.0" encoding="utf-8"?>
 <p:sld xmlns:a="http://schemas.openxmlformats.org/drawingml/2006/main" xmlns:r="http://schemas.openxmlformats.org/officeDocument/2006/relationships" xmlns:p="http://schemas.openxmlformats.org/presentationml/2006/main">
   <p:cSld>
     <p:spTree>
@@ -24220,7 +24774,7 @@
               <a:pPr>
                 <a:defRPr/>
               </a:pPr>
-              <a:t>55</a:t>
+              <a:t>56</a:t>
             </a:fld>
             <a:endParaRPr lang="en-US"/>
           </a:p>
@@ -24321,7 +24875,7 @@
 </p:sld>
 </file>
 
-<file path=ppt/slides/slide56.xml><?xml version="1.0" encoding="utf-8"?>
+<file path=ppt/slides/slide57.xml><?xml version="1.0" encoding="utf-8"?>
 <p:sld xmlns:a="http://schemas.openxmlformats.org/drawingml/2006/main" xmlns:r="http://schemas.openxmlformats.org/officeDocument/2006/relationships" xmlns:p="http://schemas.openxmlformats.org/presentationml/2006/main">
   <p:cSld>
     <p:spTree>
@@ -24395,7 +24949,7 @@
               <a:pPr>
                 <a:defRPr/>
               </a:pPr>
-              <a:t>56</a:t>
+              <a:t>57</a:t>
             </a:fld>
             <a:endParaRPr lang="en-US"/>
           </a:p>
@@ -24517,7 +25071,7 @@
 </p:sld>
 </file>
 
-<file path=ppt/slides/slide57.xml><?xml version="1.0" encoding="utf-8"?>
+<file path=ppt/slides/slide58.xml><?xml version="1.0" encoding="utf-8"?>
 <p:sld xmlns:a="http://schemas.openxmlformats.org/drawingml/2006/main" xmlns:r="http://schemas.openxmlformats.org/officeDocument/2006/relationships" xmlns:p="http://schemas.openxmlformats.org/presentationml/2006/main">
   <p:cSld>
     <p:spTree>
@@ -24591,7 +25145,7 @@
               <a:pPr>
                 <a:defRPr/>
               </a:pPr>
-              <a:t>57</a:t>
+              <a:t>58</a:t>
             </a:fld>
             <a:endParaRPr lang="en-US"/>
           </a:p>
@@ -24642,7 +25196,7 @@
 </p:sld>
 </file>
 
-<file path=ppt/slides/slide58.xml><?xml version="1.0" encoding="utf-8"?>
+<file path=ppt/slides/slide59.xml><?xml version="1.0" encoding="utf-8"?>
 <p:sld xmlns:a="http://schemas.openxmlformats.org/drawingml/2006/main" xmlns:r="http://schemas.openxmlformats.org/officeDocument/2006/relationships" xmlns:p="http://schemas.openxmlformats.org/presentationml/2006/main">
   <p:cSld>
     <p:spTree>
@@ -24716,7 +25270,7 @@
               <a:pPr>
                 <a:defRPr/>
               </a:pPr>
-              <a:t>58</a:t>
+              <a:t>59</a:t>
             </a:fld>
             <a:endParaRPr lang="en-US"/>
           </a:p>
@@ -24800,7 +25354,7 @@
 </p:sld>
 </file>
 
-<file path=ppt/slides/slide59.xml><?xml version="1.0" encoding="utf-8"?>
+<file path=ppt/slides/slide6.xml><?xml version="1.0" encoding="utf-8"?>
 <p:sld xmlns:a="http://schemas.openxmlformats.org/drawingml/2006/main" xmlns:r="http://schemas.openxmlformats.org/officeDocument/2006/relationships" xmlns:p="http://schemas.openxmlformats.org/presentationml/2006/main">
   <p:cSld>
     <p:spTree>
@@ -24844,10 +25398,9 @@
               <a:defRPr/>
             </a:pPr>
             <a:r>
-              <a:rPr lang="en-US" dirty="0" err="1" smtClean="0"/>
-              <a:t>docstrings</a:t>
-            </a:r>
-            <a:endParaRPr lang="en-US" dirty="0"/>
+              <a:rPr lang="en-US" dirty="0"/>
+              <a:t>Intro to python</a:t>
+            </a:r>
           </a:p>
         </p:txBody>
       </p:sp>
@@ -24874,7 +25427,175 @@
               <a:pPr>
                 <a:defRPr/>
               </a:pPr>
-              <a:t>59</a:t>
+              <a:t>6</a:t>
+            </a:fld>
+            <a:endParaRPr lang="en-US"/>
+          </a:p>
+        </p:txBody>
+      </p:sp>
+      <p:sp>
+        <p:nvSpPr>
+          <p:cNvPr id="9" name="TextBox 8"/>
+          <p:cNvSpPr txBox="1"/>
+          <p:nvPr/>
+        </p:nvSpPr>
+        <p:spPr>
+          <a:xfrm>
+            <a:off x="566737" y="1104900"/>
+            <a:ext cx="8382000" cy="1938992"/>
+          </a:xfrm>
+          <a:prstGeom prst="rect">
+            <a:avLst/>
+          </a:prstGeom>
+          <a:noFill/>
+        </p:spPr>
+        <p:txBody>
+          <a:bodyPr wrap="square" rtlCol="0">
+            <a:spAutoFit/>
+          </a:bodyPr>
+          <a:lstStyle/>
+          <a:p>
+            <a:pPr algn="l"/>
+            <a:r>
+              <a:rPr lang="en-US" sz="3000" dirty="0" smtClean="0">
+                <a:latin typeface="PFDinTextCompPro-Italic"/>
+                <a:cs typeface="PFDinTextCompPro-Italic"/>
+              </a:rPr>
+              <a:t>Q:  What is Python?</a:t>
+            </a:r>
+          </a:p>
+          <a:p>
+            <a:pPr algn="l"/>
+            <a:r>
+              <a:rPr lang="en-US" sz="3000" dirty="0" smtClean="0">
+                <a:latin typeface="PFDinTextCompPro-Italic"/>
+                <a:cs typeface="PFDinTextCompPro-Italic"/>
+              </a:rPr>
+              <a:t>A:  An open source, high-level, dynamic scripting language.</a:t>
+            </a:r>
+          </a:p>
+          <a:p>
+            <a:pPr algn="l"/>
+            <a:endParaRPr lang="en-US" sz="3000" dirty="0">
+              <a:latin typeface="PFDinTextCompPro-Italic"/>
+              <a:cs typeface="PFDinTextCompPro-Italic"/>
+            </a:endParaRPr>
+          </a:p>
+          <a:p>
+            <a:pPr algn="l"/>
+            <a:r>
+              <a:rPr lang="en-US" sz="3000" dirty="0" smtClean="0">
+                <a:latin typeface="PFDinTextCompPro-Medium"/>
+                <a:cs typeface="PFDinTextCompPro-Medium"/>
+              </a:rPr>
+              <a:t>open source</a:t>
+            </a:r>
+            <a:r>
+              <a:rPr lang="en-US" sz="3000" dirty="0" smtClean="0">
+                <a:latin typeface="PFDinTextCompPro-Italic"/>
+                <a:cs typeface="PFDinTextCompPro-Italic"/>
+              </a:rPr>
+              <a:t>: free! (both binaries and source files)</a:t>
+            </a:r>
+          </a:p>
+        </p:txBody>
+      </p:sp>
+    </p:spTree>
+    <p:extLst>
+      <p:ext uri="{BB962C8B-B14F-4D97-AF65-F5344CB8AC3E}">
+        <p14:creationId xmlns:p14="http://schemas.microsoft.com/office/powerpoint/2010/main" val="1973254211"/>
+      </p:ext>
+    </p:extLst>
+  </p:cSld>
+  <p:clrMapOvr>
+    <a:masterClrMapping/>
+  </p:clrMapOvr>
+  <p:transition xmlns:p14="http://schemas.microsoft.com/office/powerpoint/2010/main"/>
+  <p:timing>
+    <p:tnLst>
+      <p:par>
+        <p:cTn xmlns:p14="http://schemas.microsoft.com/office/powerpoint/2010/main" id="1" dur="indefinite" restart="never" nodeType="tmRoot"/>
+      </p:par>
+    </p:tnLst>
+  </p:timing>
+</p:sld>
+</file>
+
+<file path=ppt/slides/slide60.xml><?xml version="1.0" encoding="utf-8"?>
+<p:sld xmlns:a="http://schemas.openxmlformats.org/drawingml/2006/main" xmlns:r="http://schemas.openxmlformats.org/officeDocument/2006/relationships" xmlns:p="http://schemas.openxmlformats.org/presentationml/2006/main">
+  <p:cSld>
+    <p:spTree>
+      <p:nvGrpSpPr>
+        <p:cNvPr id="1" name=""/>
+        <p:cNvGrpSpPr/>
+        <p:nvPr/>
+      </p:nvGrpSpPr>
+      <p:grpSpPr>
+        <a:xfrm>
+          <a:off x="0" y="0"/>
+          <a:ext cx="0" cy="0"/>
+          <a:chOff x="0" y="0"/>
+          <a:chExt cx="0" cy="0"/>
+        </a:xfrm>
+      </p:grpSpPr>
+      <p:sp>
+        <p:nvSpPr>
+          <p:cNvPr id="4" name="Content Placeholder 3"/>
+          <p:cNvSpPr>
+            <a:spLocks noGrp="1"/>
+          </p:cNvSpPr>
+          <p:nvPr>
+            <p:ph sz="quarter" idx="11"/>
+          </p:nvPr>
+        </p:nvSpPr>
+        <p:spPr>
+          <a:xfrm>
+            <a:off x="414337" y="495300"/>
+            <a:ext cx="6400800" cy="304800"/>
+          </a:xfrm>
+        </p:spPr>
+        <p:txBody>
+          <a:bodyPr/>
+          <a:lstStyle/>
+          <a:p>
+            <a:pPr eaLnBrk="1" hangingPunct="1">
+              <a:lnSpc>
+                <a:spcPts val="2448"/>
+              </a:lnSpc>
+              <a:defRPr/>
+            </a:pPr>
+            <a:r>
+              <a:rPr lang="en-US" dirty="0" err="1" smtClean="0"/>
+              <a:t>docstrings</a:t>
+            </a:r>
+            <a:endParaRPr lang="en-US" dirty="0"/>
+          </a:p>
+        </p:txBody>
+      </p:sp>
+      <p:sp>
+        <p:nvSpPr>
+          <p:cNvPr id="8" name="Slide Number Placeholder 3"/>
+          <p:cNvSpPr>
+            <a:spLocks noGrp="1"/>
+          </p:cNvSpPr>
+          <p:nvPr>
+            <p:ph type="sldNum" sz="quarter" idx="13"/>
+          </p:nvPr>
+        </p:nvSpPr>
+        <p:spPr/>
+        <p:txBody>
+          <a:bodyPr/>
+          <a:lstStyle/>
+          <a:p>
+            <a:pPr>
+              <a:defRPr/>
+            </a:pPr>
+            <a:fld id="{BD5AD749-DAD1-6A4A-A2AA-CB20EAD0AEB7}" type="slidenum">
+              <a:rPr lang="en-US"/>
+              <a:pPr>
+                <a:defRPr/>
+              </a:pPr>
+              <a:t>60</a:t>
             </a:fld>
             <a:endParaRPr lang="en-US"/>
           </a:p>
@@ -25010,174 +25731,7 @@
 </p:sld>
 </file>
 
-<file path=ppt/slides/slide6.xml><?xml version="1.0" encoding="utf-8"?>
-<p:sld xmlns:a="http://schemas.openxmlformats.org/drawingml/2006/main" xmlns:r="http://schemas.openxmlformats.org/officeDocument/2006/relationships" xmlns:p="http://schemas.openxmlformats.org/presentationml/2006/main">
-  <p:cSld>
-    <p:spTree>
-      <p:nvGrpSpPr>
-        <p:cNvPr id="1" name=""/>
-        <p:cNvGrpSpPr/>
-        <p:nvPr/>
-      </p:nvGrpSpPr>
-      <p:grpSpPr>
-        <a:xfrm>
-          <a:off x="0" y="0"/>
-          <a:ext cx="0" cy="0"/>
-          <a:chOff x="0" y="0"/>
-          <a:chExt cx="0" cy="0"/>
-        </a:xfrm>
-      </p:grpSpPr>
-      <p:sp>
-        <p:nvSpPr>
-          <p:cNvPr id="4" name="Content Placeholder 3"/>
-          <p:cNvSpPr>
-            <a:spLocks noGrp="1"/>
-          </p:cNvSpPr>
-          <p:nvPr>
-            <p:ph sz="quarter" idx="11"/>
-          </p:nvPr>
-        </p:nvSpPr>
-        <p:spPr>
-          <a:xfrm>
-            <a:off x="414337" y="495300"/>
-            <a:ext cx="6400800" cy="304800"/>
-          </a:xfrm>
-        </p:spPr>
-        <p:txBody>
-          <a:bodyPr/>
-          <a:lstStyle/>
-          <a:p>
-            <a:pPr eaLnBrk="1" hangingPunct="1">
-              <a:lnSpc>
-                <a:spcPts val="2448"/>
-              </a:lnSpc>
-              <a:defRPr/>
-            </a:pPr>
-            <a:r>
-              <a:rPr lang="en-US" dirty="0"/>
-              <a:t>Intro to python</a:t>
-            </a:r>
-          </a:p>
-        </p:txBody>
-      </p:sp>
-      <p:sp>
-        <p:nvSpPr>
-          <p:cNvPr id="8" name="Slide Number Placeholder 3"/>
-          <p:cNvSpPr>
-            <a:spLocks noGrp="1"/>
-          </p:cNvSpPr>
-          <p:nvPr>
-            <p:ph type="sldNum" sz="quarter" idx="13"/>
-          </p:nvPr>
-        </p:nvSpPr>
-        <p:spPr/>
-        <p:txBody>
-          <a:bodyPr/>
-          <a:lstStyle/>
-          <a:p>
-            <a:pPr>
-              <a:defRPr/>
-            </a:pPr>
-            <a:fld id="{BD5AD749-DAD1-6A4A-A2AA-CB20EAD0AEB7}" type="slidenum">
-              <a:rPr lang="en-US"/>
-              <a:pPr>
-                <a:defRPr/>
-              </a:pPr>
-              <a:t>6</a:t>
-            </a:fld>
-            <a:endParaRPr lang="en-US"/>
-          </a:p>
-        </p:txBody>
-      </p:sp>
-      <p:sp>
-        <p:nvSpPr>
-          <p:cNvPr id="9" name="TextBox 8"/>
-          <p:cNvSpPr txBox="1"/>
-          <p:nvPr/>
-        </p:nvSpPr>
-        <p:spPr>
-          <a:xfrm>
-            <a:off x="566737" y="1104900"/>
-            <a:ext cx="8382000" cy="1938992"/>
-          </a:xfrm>
-          <a:prstGeom prst="rect">
-            <a:avLst/>
-          </a:prstGeom>
-          <a:noFill/>
-        </p:spPr>
-        <p:txBody>
-          <a:bodyPr wrap="square" rtlCol="0">
-            <a:spAutoFit/>
-          </a:bodyPr>
-          <a:lstStyle/>
-          <a:p>
-            <a:pPr algn="l"/>
-            <a:r>
-              <a:rPr lang="en-US" sz="3000" dirty="0" smtClean="0">
-                <a:latin typeface="PFDinTextCompPro-Italic"/>
-                <a:cs typeface="PFDinTextCompPro-Italic"/>
-              </a:rPr>
-              <a:t>Q:  What is Python?</a:t>
-            </a:r>
-          </a:p>
-          <a:p>
-            <a:pPr algn="l"/>
-            <a:r>
-              <a:rPr lang="en-US" sz="3000" dirty="0" smtClean="0">
-                <a:latin typeface="PFDinTextCompPro-Italic"/>
-                <a:cs typeface="PFDinTextCompPro-Italic"/>
-              </a:rPr>
-              <a:t>A:  An open source, high-level, dynamic scripting language.</a:t>
-            </a:r>
-          </a:p>
-          <a:p>
-            <a:pPr algn="l"/>
-            <a:endParaRPr lang="en-US" sz="3000" dirty="0">
-              <a:latin typeface="PFDinTextCompPro-Italic"/>
-              <a:cs typeface="PFDinTextCompPro-Italic"/>
-            </a:endParaRPr>
-          </a:p>
-          <a:p>
-            <a:pPr algn="l"/>
-            <a:r>
-              <a:rPr lang="en-US" sz="3000" dirty="0" smtClean="0">
-                <a:latin typeface="PFDinTextCompPro-Medium"/>
-                <a:cs typeface="PFDinTextCompPro-Medium"/>
-              </a:rPr>
-              <a:t>open source</a:t>
-            </a:r>
-            <a:r>
-              <a:rPr lang="en-US" sz="3000" dirty="0" smtClean="0">
-                <a:latin typeface="PFDinTextCompPro-Italic"/>
-                <a:cs typeface="PFDinTextCompPro-Italic"/>
-              </a:rPr>
-              <a:t>: free! (both binaries and source files)</a:t>
-            </a:r>
-          </a:p>
-        </p:txBody>
-      </p:sp>
-    </p:spTree>
-    <p:extLst>
-      <p:ext uri="{BB962C8B-B14F-4D97-AF65-F5344CB8AC3E}">
-        <p14:creationId xmlns:p14="http://schemas.microsoft.com/office/powerpoint/2010/main" val="1973254211"/>
-      </p:ext>
-    </p:extLst>
-  </p:cSld>
-  <p:clrMapOvr>
-    <a:masterClrMapping/>
-  </p:clrMapOvr>
-  <p:transition xmlns:p14="http://schemas.microsoft.com/office/powerpoint/2010/main"/>
-  <p:timing>
-    <p:tnLst>
-      <p:par>
-        <p:cTn xmlns:p14="http://schemas.microsoft.com/office/powerpoint/2010/main" id="1" dur="indefinite" restart="never" nodeType="tmRoot"/>
-      </p:par>
-    </p:tnLst>
-  </p:timing>
-</p:sld>
-</file>
-
-<file path=ppt/slides/slide60.xml><?xml version="1.0" encoding="utf-8"?>
+<file path=ppt/slides/slide61.xml><?xml version="1.0" encoding="utf-8"?>
 <p:sld xmlns:a="http://schemas.openxmlformats.org/drawingml/2006/main" xmlns:r="http://schemas.openxmlformats.org/officeDocument/2006/relationships" xmlns:p="http://schemas.openxmlformats.org/presentationml/2006/main">
   <p:cSld>
     <p:spTree>
